--- a/Briefs/LLNL_ETA.pptx
+++ b/Briefs/LLNL_ETA.pptx
@@ -302,7 +302,7 @@
               <a:pPr>
                 <a:defRPr/>
               </a:pPr>
-              <a:t>2/13/2019</a:t>
+              <a:t>2/21/2019</a:t>
             </a:fld>
             <a:endParaRPr lang="en-US"/>
           </a:p>
@@ -503,7 +503,7 @@
               <a:pPr>
                 <a:defRPr/>
               </a:pPr>
-              <a:t>2/13/2019</a:t>
+              <a:t>2/21/2019</a:t>
             </a:fld>
             <a:endParaRPr lang="en-US" dirty="0"/>
           </a:p>
@@ -11991,8 +11991,8 @@
           </a:p>
         </p:txBody>
       </p:sp>
-      <mc:AlternateContent xmlns:mc="http://schemas.openxmlformats.org/markup-compatibility/2006">
-        <mc:Choice xmlns:a14="http://schemas.microsoft.com/office/drawing/2010/main" Requires="a14">
+      <mc:AlternateContent xmlns:mc="http://schemas.openxmlformats.org/markup-compatibility/2006" xmlns:a14="http://schemas.microsoft.com/office/drawing/2010/main">
+        <mc:Choice Requires="a14">
           <p:sp>
             <p:nvSpPr>
               <p:cNvPr id="5" name="TextBox 4">
@@ -12340,7 +12340,7 @@
             </p:txBody>
           </p:sp>
         </mc:Choice>
-        <mc:Fallback>
+        <mc:Fallback xmlns="">
           <p:sp>
             <p:nvSpPr>
               <p:cNvPr id="5" name="TextBox 4">
@@ -12426,114 +12426,6 @@
     <a:masterClrMapping/>
   </p:clrMapOvr>
   <p:transition/>
-  <p:timing>
-    <p:tnLst>
-      <p:par>
-        <p:cTn id="1" dur="indefinite" restart="never" nodeType="tmRoot">
-          <p:childTnLst>
-            <p:seq concurrent="1" nextAc="seek">
-              <p:cTn id="2" dur="indefinite" nodeType="mainSeq">
-                <p:childTnLst>
-                  <p:par>
-                    <p:cTn id="3" fill="hold">
-                      <p:stCondLst>
-                        <p:cond delay="indefinite"/>
-                        <p:cond evt="onBegin" delay="0">
-                          <p:tn val="2"/>
-                        </p:cond>
-                      </p:stCondLst>
-                      <p:childTnLst>
-                        <p:par>
-                          <p:cTn id="4" fill="hold">
-                            <p:stCondLst>
-                              <p:cond delay="0"/>
-                            </p:stCondLst>
-                            <p:childTnLst>
-                              <p:par>
-                                <p:cTn id="5" presetID="1" presetClass="entr" presetSubtype="0" fill="hold" grpId="0" nodeType="withEffect">
-                                  <p:stCondLst>
-                                    <p:cond delay="0"/>
-                                  </p:stCondLst>
-                                  <p:childTnLst>
-                                    <p:set>
-                                      <p:cBhvr>
-                                        <p:cTn id="6" dur="1" fill="hold">
-                                          <p:stCondLst>
-                                            <p:cond delay="0"/>
-                                          </p:stCondLst>
-                                        </p:cTn>
-                                        <p:tgtEl>
-                                          <p:spTgt spid="5"/>
-                                        </p:tgtEl>
-                                        <p:attrNameLst>
-                                          <p:attrName>style.visibility</p:attrName>
-                                        </p:attrNameLst>
-                                      </p:cBhvr>
-                                      <p:to>
-                                        <p:strVal val="visible"/>
-                                      </p:to>
-                                    </p:set>
-                                  </p:childTnLst>
-                                </p:cTn>
-                              </p:par>
-                              <p:par>
-                                <p:cTn id="7" presetID="1" presetClass="entr" presetSubtype="0" fill="hold" nodeType="withEffect">
-                                  <p:stCondLst>
-                                    <p:cond delay="0"/>
-                                  </p:stCondLst>
-                                  <p:childTnLst>
-                                    <p:set>
-                                      <p:cBhvr>
-                                        <p:cTn id="8" dur="1" fill="hold">
-                                          <p:stCondLst>
-                                            <p:cond delay="0"/>
-                                          </p:stCondLst>
-                                        </p:cTn>
-                                        <p:tgtEl>
-                                          <p:spTgt spid="6"/>
-                                        </p:tgtEl>
-                                        <p:attrNameLst>
-                                          <p:attrName>style.visibility</p:attrName>
-                                        </p:attrNameLst>
-                                      </p:cBhvr>
-                                      <p:to>
-                                        <p:strVal val="visible"/>
-                                      </p:to>
-                                    </p:set>
-                                  </p:childTnLst>
-                                </p:cTn>
-                              </p:par>
-                            </p:childTnLst>
-                          </p:cTn>
-                        </p:par>
-                      </p:childTnLst>
-                    </p:cTn>
-                  </p:par>
-                </p:childTnLst>
-              </p:cTn>
-              <p:prevCondLst>
-                <p:cond evt="onPrev" delay="0">
-                  <p:tgtEl>
-                    <p:sldTgt/>
-                  </p:tgtEl>
-                </p:cond>
-              </p:prevCondLst>
-              <p:nextCondLst>
-                <p:cond evt="onNext" delay="0">
-                  <p:tgtEl>
-                    <p:sldTgt/>
-                  </p:tgtEl>
-                </p:cond>
-              </p:nextCondLst>
-            </p:seq>
-          </p:childTnLst>
-        </p:cTn>
-      </p:par>
-    </p:tnLst>
-    <p:bldLst>
-      <p:bldP spid="5" grpId="0"/>
-    </p:bldLst>
-  </p:timing>
 </p:sld>
 </file>
 
